--- a/Apresentação.pptx
+++ b/Apresentação.pptx
@@ -5,10 +5,10 @@
     <p:sldMasterId id="2147483840" r:id="rId1"/>
   </p:sldMasterIdLst>
   <p:notesMasterIdLst>
-    <p:notesMasterId r:id="rId15"/>
+    <p:notesMasterId r:id="rId17"/>
   </p:notesMasterIdLst>
   <p:handoutMasterIdLst>
-    <p:handoutMasterId r:id="rId16"/>
+    <p:handoutMasterId r:id="rId18"/>
   </p:handoutMasterIdLst>
   <p:sldIdLst>
     <p:sldId id="256" r:id="rId2"/>
@@ -23,7 +23,9 @@
     <p:sldId id="266" r:id="rId11"/>
     <p:sldId id="267" r:id="rId12"/>
     <p:sldId id="268" r:id="rId13"/>
-    <p:sldId id="269" r:id="rId14"/>
+    <p:sldId id="270" r:id="rId14"/>
+    <p:sldId id="271" r:id="rId15"/>
+    <p:sldId id="269" r:id="rId16"/>
   </p:sldIdLst>
   <p:sldSz cx="12192000" cy="6858000"/>
   <p:notesSz cx="6858000" cy="9144000"/>
@@ -6854,7 +6856,7 @@
           <a:p>
             <a:fld id="{3292F64A-F143-48CE-9624-B649C5A27632}" type="datetimeFigureOut">
               <a:rPr lang="pt-BR" smtClean="0"/>
-              <a:t>21/07/2022</a:t>
+              <a:t>04/08/2022</a:t>
             </a:fld>
             <a:endParaRPr lang="pt-BR"/>
           </a:p>
@@ -7032,7 +7034,7 @@
           <a:p>
             <a:fld id="{5ECC7D4D-C58E-4BBE-AB38-777A5DEEFE04}" type="datetimeFigureOut">
               <a:rPr lang="pt-BR" noProof="0" smtClean="0"/>
-              <a:t>21/07/2022</a:t>
+              <a:t>04/08/2022</a:t>
             </a:fld>
             <a:endParaRPr lang="pt-BR" noProof="0"/>
           </a:p>
@@ -7609,7 +7611,7 @@
             <a:pPr rtl="0"/>
             <a:fld id="{B87EB602-338A-4592-8ACB-C325F2481D54}" type="datetime1">
               <a:rPr lang="pt-BR" noProof="0" smtClean="0"/>
-              <a:t>21/07/2022</a:t>
+              <a:t>04/08/2022</a:t>
             </a:fld>
             <a:endParaRPr lang="pt-BR" noProof="0"/>
           </a:p>
@@ -7777,7 +7779,7 @@
             <a:pPr rtl="0"/>
             <a:fld id="{00F44D14-0D8D-4910-9EC4-CBC8BBFBAF51}" type="datetime1">
               <a:rPr lang="pt-BR" noProof="0" smtClean="0"/>
-              <a:t>21/07/2022</a:t>
+              <a:t>04/08/2022</a:t>
             </a:fld>
             <a:endParaRPr lang="pt-BR" noProof="0"/>
           </a:p>
@@ -7955,7 +7957,7 @@
             <a:pPr rtl="0"/>
             <a:fld id="{9992F384-781D-488D-AA42-734A539B683D}" type="datetime1">
               <a:rPr lang="pt-BR" noProof="0" smtClean="0"/>
-              <a:t>21/07/2022</a:t>
+              <a:t>04/08/2022</a:t>
             </a:fld>
             <a:endParaRPr lang="pt-BR" noProof="0"/>
           </a:p>
@@ -8123,7 +8125,7 @@
             <a:pPr rtl="0"/>
             <a:fld id="{3853E287-83A4-4BCA-8880-A07BCEDFB998}" type="datetime1">
               <a:rPr lang="pt-BR" noProof="0" smtClean="0"/>
-              <a:t>21/07/2022</a:t>
+              <a:t>04/08/2022</a:t>
             </a:fld>
             <a:endParaRPr lang="pt-BR" noProof="0"/>
           </a:p>
@@ -8380,7 +8382,7 @@
             <a:pPr rtl="0"/>
             <a:fld id="{467BACB5-5A48-4280-BBFB-62C802E5F967}" type="datetime1">
               <a:rPr lang="pt-BR" noProof="0" smtClean="0"/>
-              <a:t>21/07/2022</a:t>
+              <a:t>04/08/2022</a:t>
             </a:fld>
             <a:endParaRPr lang="pt-BR" noProof="0"/>
           </a:p>
@@ -8665,7 +8667,7 @@
             <a:pPr rtl="0"/>
             <a:fld id="{16B7C9C2-CAF7-441F-BC99-BC21B2CC7B12}" type="datetime1">
               <a:rPr lang="pt-BR" noProof="0" smtClean="0"/>
-              <a:t>21/07/2022</a:t>
+              <a:t>04/08/2022</a:t>
             </a:fld>
             <a:endParaRPr lang="pt-BR" noProof="0"/>
           </a:p>
@@ -9104,7 +9106,7 @@
             <a:pPr rtl="0"/>
             <a:fld id="{E39052FF-39BA-4D50-AE9E-EE569B650BDB}" type="datetime1">
               <a:rPr lang="pt-BR" noProof="0" smtClean="0"/>
-              <a:t>21/07/2022</a:t>
+              <a:t>04/08/2022</a:t>
             </a:fld>
             <a:endParaRPr lang="pt-BR" noProof="0"/>
           </a:p>
@@ -9221,7 +9223,7 @@
             <a:pPr rtl="0"/>
             <a:fld id="{3E8EEB05-BC68-4A0C-B5E8-9A74AEDE5D2E}" type="datetime1">
               <a:rPr lang="pt-BR" noProof="0" smtClean="0"/>
-              <a:t>21/07/2022</a:t>
+              <a:t>04/08/2022</a:t>
             </a:fld>
             <a:endParaRPr lang="pt-BR" noProof="0"/>
           </a:p>
@@ -9315,7 +9317,7 @@
             <a:pPr rtl="0"/>
             <a:fld id="{BAF0F8ED-823A-4BD9-9B6B-605FE6DF9D2E}" type="datetime1">
               <a:rPr lang="pt-BR" noProof="0" smtClean="0"/>
-              <a:t>21/07/2022</a:t>
+              <a:t>04/08/2022</a:t>
             </a:fld>
             <a:endParaRPr lang="pt-BR" noProof="0"/>
           </a:p>
@@ -9601,7 +9603,7 @@
             <a:pPr rtl="0"/>
             <a:fld id="{667BBDBB-F84E-41B7-9BD7-CA5CDC5681BD}" type="datetime1">
               <a:rPr lang="pt-BR" noProof="0" smtClean="0"/>
-              <a:t>21/07/2022</a:t>
+              <a:t>04/08/2022</a:t>
             </a:fld>
             <a:endParaRPr lang="pt-BR" noProof="0"/>
           </a:p>
@@ -9873,7 +9875,7 @@
             <a:pPr rtl="0"/>
             <a:fld id="{DAE9FB1B-6A6B-4ED6-B757-1A85B646DD90}" type="datetime1">
               <a:rPr lang="pt-BR" noProof="0" smtClean="0"/>
-              <a:t>21/07/2022</a:t>
+              <a:t>04/08/2022</a:t>
             </a:fld>
             <a:endParaRPr lang="pt-BR" noProof="0"/>
           </a:p>
@@ -10168,7 +10170,7 @@
             <a:pPr rtl="0"/>
             <a:fld id="{AF34EEFF-51F9-4305-869D-C6AED71D0A77}" type="datetime1">
               <a:rPr lang="pt-BR" noProof="0" smtClean="0"/>
-              <a:t>21/07/2022</a:t>
+              <a:t>04/08/2022</a:t>
             </a:fld>
             <a:endParaRPr lang="pt-BR" noProof="0"/>
           </a:p>
@@ -11340,6 +11342,241 @@
           <p:cNvPr id="2" name="Título 1">
             <a:extLst>
               <a:ext uri="{FF2B5EF4-FFF2-40B4-BE49-F238E27FC236}">
+                <a16:creationId xmlns:a16="http://schemas.microsoft.com/office/drawing/2014/main" id="{65C18955-B4E1-345C-588E-5BAF67285135}"/>
+              </a:ext>
+            </a:extLst>
+          </p:cNvPr>
+          <p:cNvSpPr>
+            <a:spLocks noGrp="1"/>
+          </p:cNvSpPr>
+          <p:nvPr>
+            <p:ph type="title"/>
+          </p:nvPr>
+        </p:nvSpPr>
+        <p:spPr/>
+        <p:txBody>
+          <a:bodyPr/>
+          <a:lstStyle/>
+          <a:p>
+            <a:r>
+              <a:rPr lang="pt-BR" dirty="0"/>
+              <a:t>Código-Fonte</a:t>
+            </a:r>
+          </a:p>
+        </p:txBody>
+      </p:sp>
+      <p:pic>
+        <p:nvPicPr>
+          <p:cNvPr id="8" name="Imagem 7" descr="Interface gráfica do usuário, Aplicativo&#10;&#10;Descrição gerada automaticamente">
+            <a:extLst>
+              <a:ext uri="{FF2B5EF4-FFF2-40B4-BE49-F238E27FC236}">
+                <a16:creationId xmlns:a16="http://schemas.microsoft.com/office/drawing/2014/main" id="{AC44CD87-B921-3DFA-E4A1-78B25EAD71EC}"/>
+              </a:ext>
+            </a:extLst>
+          </p:cNvPr>
+          <p:cNvPicPr>
+            <a:picLocks noChangeAspect="1"/>
+          </p:cNvPicPr>
+          <p:nvPr/>
+        </p:nvPicPr>
+        <p:blipFill>
+          <a:blip r:embed="rId2"/>
+          <a:stretch>
+            <a:fillRect/>
+          </a:stretch>
+        </p:blipFill>
+        <p:spPr>
+          <a:xfrm>
+            <a:off x="-398" y="640"/>
+            <a:ext cx="4329023" cy="765954"/>
+          </a:xfrm>
+          <a:prstGeom prst="rect">
+            <a:avLst/>
+          </a:prstGeom>
+        </p:spPr>
+      </p:pic>
+      <p:pic>
+        <p:nvPicPr>
+          <p:cNvPr id="5" name="Imagem 4">
+            <a:extLst>
+              <a:ext uri="{FF2B5EF4-FFF2-40B4-BE49-F238E27FC236}">
+                <a16:creationId xmlns:a16="http://schemas.microsoft.com/office/drawing/2014/main" id="{FABBAB44-234D-4868-6EB2-063254540951}"/>
+              </a:ext>
+            </a:extLst>
+          </p:cNvPr>
+          <p:cNvPicPr>
+            <a:picLocks noChangeAspect="1"/>
+          </p:cNvPicPr>
+          <p:nvPr/>
+        </p:nvPicPr>
+        <p:blipFill rotWithShape="1">
+          <a:blip r:embed="rId3"/>
+          <a:srcRect r="15568"/>
+          <a:stretch/>
+        </p:blipFill>
+        <p:spPr>
+          <a:xfrm>
+            <a:off x="3682451" y="472473"/>
+            <a:ext cx="8124066" cy="5903909"/>
+          </a:xfrm>
+          <a:prstGeom prst="rect">
+            <a:avLst/>
+          </a:prstGeom>
+        </p:spPr>
+      </p:pic>
+    </p:spTree>
+    <p:extLst>
+      <p:ext uri="{BB962C8B-B14F-4D97-AF65-F5344CB8AC3E}">
+        <p14:creationId xmlns:p14="http://schemas.microsoft.com/office/powerpoint/2010/main" val="4126784552"/>
+      </p:ext>
+    </p:extLst>
+  </p:cSld>
+  <p:clrMapOvr>
+    <a:masterClrMapping/>
+  </p:clrMapOvr>
+</p:sld>
+</file>
+
+<file path=ppt/slides/slide14.xml><?xml version="1.0" encoding="utf-8"?>
+<p:sld xmlns:a="http://schemas.openxmlformats.org/drawingml/2006/main" xmlns:r="http://schemas.openxmlformats.org/officeDocument/2006/relationships" xmlns:p="http://schemas.openxmlformats.org/presentationml/2006/main">
+  <p:cSld>
+    <p:spTree>
+      <p:nvGrpSpPr>
+        <p:cNvPr id="1" name=""/>
+        <p:cNvGrpSpPr/>
+        <p:nvPr/>
+      </p:nvGrpSpPr>
+      <p:grpSpPr>
+        <a:xfrm>
+          <a:off x="0" y="0"/>
+          <a:ext cx="0" cy="0"/>
+          <a:chOff x="0" y="0"/>
+          <a:chExt cx="0" cy="0"/>
+        </a:xfrm>
+      </p:grpSpPr>
+      <p:sp>
+        <p:nvSpPr>
+          <p:cNvPr id="2" name="Título 1">
+            <a:extLst>
+              <a:ext uri="{FF2B5EF4-FFF2-40B4-BE49-F238E27FC236}">
+                <a16:creationId xmlns:a16="http://schemas.microsoft.com/office/drawing/2014/main" id="{65C18955-B4E1-345C-588E-5BAF67285135}"/>
+              </a:ext>
+            </a:extLst>
+          </p:cNvPr>
+          <p:cNvSpPr>
+            <a:spLocks noGrp="1"/>
+          </p:cNvSpPr>
+          <p:nvPr>
+            <p:ph type="title"/>
+          </p:nvPr>
+        </p:nvSpPr>
+        <p:spPr/>
+        <p:txBody>
+          <a:bodyPr/>
+          <a:lstStyle/>
+          <a:p>
+            <a:r>
+              <a:rPr lang="pt-BR" dirty="0"/>
+              <a:t>Código-Fonte</a:t>
+            </a:r>
+          </a:p>
+        </p:txBody>
+      </p:sp>
+      <p:pic>
+        <p:nvPicPr>
+          <p:cNvPr id="8" name="Imagem 7" descr="Interface gráfica do usuário, Aplicativo&#10;&#10;Descrição gerada automaticamente">
+            <a:extLst>
+              <a:ext uri="{FF2B5EF4-FFF2-40B4-BE49-F238E27FC236}">
+                <a16:creationId xmlns:a16="http://schemas.microsoft.com/office/drawing/2014/main" id="{AC44CD87-B921-3DFA-E4A1-78B25EAD71EC}"/>
+              </a:ext>
+            </a:extLst>
+          </p:cNvPr>
+          <p:cNvPicPr>
+            <a:picLocks noChangeAspect="1"/>
+          </p:cNvPicPr>
+          <p:nvPr/>
+        </p:nvPicPr>
+        <p:blipFill>
+          <a:blip r:embed="rId2"/>
+          <a:stretch>
+            <a:fillRect/>
+          </a:stretch>
+        </p:blipFill>
+        <p:spPr>
+          <a:xfrm>
+            <a:off x="-398" y="640"/>
+            <a:ext cx="4329023" cy="765954"/>
+          </a:xfrm>
+          <a:prstGeom prst="rect">
+            <a:avLst/>
+          </a:prstGeom>
+        </p:spPr>
+      </p:pic>
+      <p:pic>
+        <p:nvPicPr>
+          <p:cNvPr id="4" name="Imagem 3">
+            <a:extLst>
+              <a:ext uri="{FF2B5EF4-FFF2-40B4-BE49-F238E27FC236}">
+                <a16:creationId xmlns:a16="http://schemas.microsoft.com/office/drawing/2014/main" id="{6B61090D-FB35-6046-C76F-562520EAE8AC}"/>
+              </a:ext>
+            </a:extLst>
+          </p:cNvPr>
+          <p:cNvPicPr>
+            <a:picLocks noChangeAspect="1"/>
+          </p:cNvPicPr>
+          <p:nvPr/>
+        </p:nvPicPr>
+        <p:blipFill>
+          <a:blip r:embed="rId3"/>
+          <a:stretch>
+            <a:fillRect/>
+          </a:stretch>
+        </p:blipFill>
+        <p:spPr>
+          <a:xfrm>
+            <a:off x="3814762" y="383617"/>
+            <a:ext cx="7305675" cy="6134100"/>
+          </a:xfrm>
+          <a:prstGeom prst="rect">
+            <a:avLst/>
+          </a:prstGeom>
+        </p:spPr>
+      </p:pic>
+    </p:spTree>
+    <p:extLst>
+      <p:ext uri="{BB962C8B-B14F-4D97-AF65-F5344CB8AC3E}">
+        <p14:creationId xmlns:p14="http://schemas.microsoft.com/office/powerpoint/2010/main" val="2608890154"/>
+      </p:ext>
+    </p:extLst>
+  </p:cSld>
+  <p:clrMapOvr>
+    <a:masterClrMapping/>
+  </p:clrMapOvr>
+</p:sld>
+</file>
+
+<file path=ppt/slides/slide15.xml><?xml version="1.0" encoding="utf-8"?>
+<p:sld xmlns:a="http://schemas.openxmlformats.org/drawingml/2006/main" xmlns:r="http://schemas.openxmlformats.org/officeDocument/2006/relationships" xmlns:p="http://schemas.openxmlformats.org/presentationml/2006/main">
+  <p:cSld>
+    <p:spTree>
+      <p:nvGrpSpPr>
+        <p:cNvPr id="1" name=""/>
+        <p:cNvGrpSpPr/>
+        <p:nvPr/>
+      </p:nvGrpSpPr>
+      <p:grpSpPr>
+        <a:xfrm>
+          <a:off x="0" y="0"/>
+          <a:ext cx="0" cy="0"/>
+          <a:chOff x="0" y="0"/>
+          <a:chExt cx="0" cy="0"/>
+        </a:xfrm>
+      </p:grpSpPr>
+      <p:sp>
+        <p:nvSpPr>
+          <p:cNvPr id="2" name="Título 1">
+            <a:extLst>
+              <a:ext uri="{FF2B5EF4-FFF2-40B4-BE49-F238E27FC236}">
                 <a16:creationId xmlns:a16="http://schemas.microsoft.com/office/drawing/2014/main" id="{F6C9586E-14D6-EEAA-4D34-E33C41A14843}"/>
               </a:ext>
             </a:extLst>
@@ -12248,14 +12485,14 @@
             <p:ph idx="1"/>
             <p:extLst>
               <p:ext uri="{D42A27DB-BD31-4B8C-83A1-F6EECF244321}">
-                <p14:modId xmlns:p14="http://schemas.microsoft.com/office/powerpoint/2010/main" val="1702535934"/>
+                <p14:modId xmlns:p14="http://schemas.microsoft.com/office/powerpoint/2010/main" val="2169683528"/>
               </p:ext>
             </p:extLst>
           </p:nvPr>
         </p:nvGraphicFramePr>
         <p:xfrm>
           <a:off x="3667455" y="1395562"/>
-          <a:ext cx="7972654" cy="3504139"/>
+          <a:ext cx="7972654" cy="3112030"/>
         </p:xfrm>
         <a:graphic>
           <a:graphicData uri="http://schemas.openxmlformats.org/drawingml/2006/table">
@@ -12293,7 +12530,7 @@
                   </a:extLst>
                 </a:gridCol>
               </a:tblGrid>
-              <a:tr h="612588">
+              <a:tr h="552448">
                 <a:tc>
                   <a:txBody>
                     <a:bodyPr/>
@@ -12352,13 +12589,13 @@
                   </a:ext>
                 </a:extLst>
               </a:tr>
-              <a:tr h="2864059">
+              <a:tr h="2471950">
                 <a:tc>
                   <a:txBody>
                     <a:bodyPr/>
                     <a:lstStyle/>
                     <a:p>
-                      <a:endParaRPr lang="pt-BR"/>
+                      <a:endParaRPr lang="pt-BR" dirty="0"/>
                     </a:p>
                   </a:txBody>
                   <a:tcPr/>
@@ -12388,7 +12625,7 @@
                     <a:bodyPr/>
                     <a:lstStyle/>
                     <a:p>
-                      <a:endParaRPr lang="pt-BR"/>
+                      <a:endParaRPr lang="pt-BR" dirty="0"/>
                     </a:p>
                   </a:txBody>
                   <a:tcPr/>
@@ -12547,6 +12784,267 @@
           <a:xfrm>
             <a:off x="10200285" y="2774381"/>
             <a:ext cx="1424259" cy="1438636"/>
+          </a:xfrm>
+          <a:prstGeom prst="rect">
+            <a:avLst/>
+          </a:prstGeom>
+        </p:spPr>
+      </p:pic>
+      <p:graphicFrame>
+        <p:nvGraphicFramePr>
+          <p:cNvPr id="11" name="Tabela 6">
+            <a:extLst>
+              <a:ext uri="{FF2B5EF4-FFF2-40B4-BE49-F238E27FC236}">
+                <a16:creationId xmlns:a16="http://schemas.microsoft.com/office/drawing/2014/main" id="{3D5C68C8-7FDD-74AA-2093-B6CE0841929F}"/>
+              </a:ext>
+            </a:extLst>
+          </p:cNvPr>
+          <p:cNvGraphicFramePr>
+            <a:graphicFrameLocks/>
+          </p:cNvGraphicFramePr>
+          <p:nvPr>
+            <p:extLst>
+              <p:ext uri="{D42A27DB-BD31-4B8C-83A1-F6EECF244321}">
+                <p14:modId xmlns:p14="http://schemas.microsoft.com/office/powerpoint/2010/main" val="1352204696"/>
+              </p:ext>
+            </p:extLst>
+          </p:nvPr>
+        </p:nvGraphicFramePr>
+        <p:xfrm>
+          <a:off x="3667455" y="4419960"/>
+          <a:ext cx="7972654" cy="1691502"/>
+        </p:xfrm>
+        <a:graphic>
+          <a:graphicData uri="http://schemas.openxmlformats.org/drawingml/2006/table">
+            <a:tbl>
+              <a:tblPr firstRow="1" bandRow="1">
+                <a:tableStyleId>{69012ECD-51FC-41F1-AA8D-1B2483CD663E}</a:tableStyleId>
+              </a:tblPr>
+              <a:tblGrid>
+                <a:gridCol w="2247195">
+                  <a:extLst>
+                    <a:ext uri="{9D8B030D-6E8A-4147-A177-3AD203B41FA5}">
+                      <a16:colId xmlns:a16="http://schemas.microsoft.com/office/drawing/2014/main" val="2163617307"/>
+                    </a:ext>
+                  </a:extLst>
+                </a:gridCol>
+                <a:gridCol w="2315881">
+                  <a:extLst>
+                    <a:ext uri="{9D8B030D-6E8A-4147-A177-3AD203B41FA5}">
+                      <a16:colId xmlns:a16="http://schemas.microsoft.com/office/drawing/2014/main" val="2001227788"/>
+                    </a:ext>
+                  </a:extLst>
+                </a:gridCol>
+                <a:gridCol w="1942352">
+                  <a:extLst>
+                    <a:ext uri="{9D8B030D-6E8A-4147-A177-3AD203B41FA5}">
+                      <a16:colId xmlns:a16="http://schemas.microsoft.com/office/drawing/2014/main" val="3235613754"/>
+                    </a:ext>
+                  </a:extLst>
+                </a:gridCol>
+                <a:gridCol w="1467226">
+                  <a:extLst>
+                    <a:ext uri="{9D8B030D-6E8A-4147-A177-3AD203B41FA5}">
+                      <a16:colId xmlns:a16="http://schemas.microsoft.com/office/drawing/2014/main" val="2587765447"/>
+                    </a:ext>
+                  </a:extLst>
+                </a:gridCol>
+              </a:tblGrid>
+              <a:tr h="552448">
+                <a:tc>
+                  <a:txBody>
+                    <a:bodyPr/>
+                    <a:lstStyle/>
+                    <a:p>
+                      <a:r>
+                        <a:rPr lang="pt-BR" dirty="0"/>
+                        <a:t>LED</a:t>
+                      </a:r>
+                    </a:p>
+                  </a:txBody>
+                  <a:tcPr/>
+                </a:tc>
+                <a:tc>
+                  <a:txBody>
+                    <a:bodyPr/>
+                    <a:lstStyle/>
+                    <a:p>
+                      <a:r>
+                        <a:rPr lang="pt-BR" dirty="0"/>
+                        <a:t>Resistor</a:t>
+                      </a:r>
+                    </a:p>
+                  </a:txBody>
+                  <a:tcPr/>
+                </a:tc>
+                <a:tc>
+                  <a:txBody>
+                    <a:bodyPr/>
+                    <a:lstStyle/>
+                    <a:p>
+                      <a:r>
+                        <a:rPr lang="pt-BR" dirty="0" err="1"/>
+                        <a:t>Buzzer</a:t>
+                      </a:r>
+                      <a:r>
+                        <a:rPr lang="pt-BR" dirty="0"/>
+                        <a:t> ativo</a:t>
+                      </a:r>
+                    </a:p>
+                  </a:txBody>
+                  <a:tcPr/>
+                </a:tc>
+                <a:tc>
+                  <a:txBody>
+                    <a:bodyPr/>
+                    <a:lstStyle/>
+                    <a:p>
+                      <a:endParaRPr lang="pt-BR" dirty="0"/>
+                    </a:p>
+                  </a:txBody>
+                  <a:tcPr/>
+                </a:tc>
+                <a:extLst>
+                  <a:ext uri="{0D108BD9-81ED-4DB2-BD59-A6C34878D82A}">
+                    <a16:rowId xmlns:a16="http://schemas.microsoft.com/office/drawing/2014/main" val="1798742915"/>
+                  </a:ext>
+                </a:extLst>
+              </a:tr>
+              <a:tr h="1139054">
+                <a:tc>
+                  <a:txBody>
+                    <a:bodyPr/>
+                    <a:lstStyle/>
+                    <a:p>
+                      <a:endParaRPr lang="pt-BR" dirty="0"/>
+                    </a:p>
+                  </a:txBody>
+                  <a:tcPr/>
+                </a:tc>
+                <a:tc>
+                  <a:txBody>
+                    <a:bodyPr/>
+                    <a:lstStyle/>
+                    <a:p>
+                      <a:endParaRPr lang="pt-BR" dirty="0"/>
+                    </a:p>
+                  </a:txBody>
+                  <a:tcPr/>
+                </a:tc>
+                <a:tc>
+                  <a:txBody>
+                    <a:bodyPr/>
+                    <a:lstStyle/>
+                    <a:p>
+                      <a:endParaRPr lang="pt-BR" dirty="0"/>
+                    </a:p>
+                  </a:txBody>
+                  <a:tcPr/>
+                </a:tc>
+                <a:tc>
+                  <a:txBody>
+                    <a:bodyPr/>
+                    <a:lstStyle/>
+                    <a:p>
+                      <a:endParaRPr lang="pt-BR" dirty="0"/>
+                    </a:p>
+                  </a:txBody>
+                  <a:tcPr/>
+                </a:tc>
+                <a:extLst>
+                  <a:ext uri="{0D108BD9-81ED-4DB2-BD59-A6C34878D82A}">
+                    <a16:rowId xmlns:a16="http://schemas.microsoft.com/office/drawing/2014/main" val="3415923668"/>
+                  </a:ext>
+                </a:extLst>
+              </a:tr>
+            </a:tbl>
+          </a:graphicData>
+        </a:graphic>
+      </p:graphicFrame>
+      <p:pic>
+        <p:nvPicPr>
+          <p:cNvPr id="4" name="Imagem 3" descr="Em preto e branco&#10;&#10;Descrição gerada automaticamente com confiança média">
+            <a:extLst>
+              <a:ext uri="{FF2B5EF4-FFF2-40B4-BE49-F238E27FC236}">
+                <a16:creationId xmlns:a16="http://schemas.microsoft.com/office/drawing/2014/main" id="{C6FFCAC3-3C4D-EB21-5651-9846276A3DBF}"/>
+              </a:ext>
+            </a:extLst>
+          </p:cNvPr>
+          <p:cNvPicPr>
+            <a:picLocks noChangeAspect="1"/>
+          </p:cNvPicPr>
+          <p:nvPr/>
+        </p:nvPicPr>
+        <p:blipFill>
+          <a:blip r:embed="rId7"/>
+          <a:stretch>
+            <a:fillRect/>
+          </a:stretch>
+        </p:blipFill>
+        <p:spPr>
+          <a:xfrm>
+            <a:off x="8466884" y="5015937"/>
+            <a:ext cx="1071563" cy="1071563"/>
+          </a:xfrm>
+          <a:prstGeom prst="rect">
+            <a:avLst/>
+          </a:prstGeom>
+        </p:spPr>
+      </p:pic>
+      <p:pic>
+        <p:nvPicPr>
+          <p:cNvPr id="13" name="Imagem 12" descr="Uma imagem contendo espátula, morcego, beisebol, guarda-chuva&#10;&#10;Descrição gerada automaticamente">
+            <a:extLst>
+              <a:ext uri="{FF2B5EF4-FFF2-40B4-BE49-F238E27FC236}">
+                <a16:creationId xmlns:a16="http://schemas.microsoft.com/office/drawing/2014/main" id="{813C7E8A-9F42-F269-7C9B-88B2AC48ABCF}"/>
+              </a:ext>
+            </a:extLst>
+          </p:cNvPr>
+          <p:cNvPicPr>
+            <a:picLocks noChangeAspect="1"/>
+          </p:cNvPicPr>
+          <p:nvPr/>
+        </p:nvPicPr>
+        <p:blipFill>
+          <a:blip r:embed="rId8"/>
+          <a:stretch>
+            <a:fillRect/>
+          </a:stretch>
+        </p:blipFill>
+        <p:spPr>
+          <a:xfrm>
+            <a:off x="5959954" y="5094480"/>
+            <a:ext cx="960408" cy="914476"/>
+          </a:xfrm>
+          <a:prstGeom prst="rect">
+            <a:avLst/>
+          </a:prstGeom>
+        </p:spPr>
+      </p:pic>
+      <p:pic>
+        <p:nvPicPr>
+          <p:cNvPr id="15" name="Imagem 14" descr="Imagem em preto e branco&#10;&#10;Descrição gerada automaticamente com confiança baixa">
+            <a:extLst>
+              <a:ext uri="{FF2B5EF4-FFF2-40B4-BE49-F238E27FC236}">
+                <a16:creationId xmlns:a16="http://schemas.microsoft.com/office/drawing/2014/main" id="{D55F3E95-19AA-158C-28C8-7FA932A82938}"/>
+              </a:ext>
+            </a:extLst>
+          </p:cNvPr>
+          <p:cNvPicPr>
+            <a:picLocks noChangeAspect="1"/>
+          </p:cNvPicPr>
+          <p:nvPr/>
+        </p:nvPicPr>
+        <p:blipFill>
+          <a:blip r:embed="rId9"/>
+          <a:stretch>
+            <a:fillRect/>
+          </a:stretch>
+        </p:blipFill>
+        <p:spPr>
+          <a:xfrm>
+            <a:off x="3899397" y="5094480"/>
+            <a:ext cx="976968" cy="976968"/>
           </a:xfrm>
           <a:prstGeom prst="rect">
             <a:avLst/>
